--- a/pres/Windows Linux Interoperability.pptx
+++ b/pres/Windows Linux Interoperability.pptx
@@ -125,6 +125,11 @@
       </a:defRPr>
     </a:lvl9pPr>
   </p:defaultTextStyle>
+  <p:extLst>
+    <p:ext uri="{EFAFB233-063F-42B5-8137-9DF3F51BA10A}">
+      <p15:sldGuideLst xmlns:p15="http://schemas.microsoft.com/office/powerpoint/2012/main"/>
+    </p:ext>
+  </p:extLst>
 </p:presentation>
 </file>
 
@@ -132,8 +137,203 @@
 <p1510:revInfo xmlns:a="http://schemas.openxmlformats.org/drawingml/2006/main" xmlns:r="http://schemas.openxmlformats.org/officeDocument/2006/relationships" xmlns:p1510="http://schemas.microsoft.com/office/powerpoint/2015/10/main">
   <p1510:revLst>
     <p1510:client id="{82CC9510-DC9D-48DB-8061-A18D53E1477C}" v="37" dt="2020-07-23T22:10:43.863"/>
+    <p1510:client id="{A80D913F-1571-4FBC-B7B4-BBEFFC85C035}" v="1" dt="2020-07-24T01:08:20.064"/>
   </p1510:revLst>
 </p1510:revInfo>
+</file>
+
+<file path=ppt/changesInfos/changesInfo1.xml><?xml version="1.0" encoding="utf-8"?>
+<pc:chgInfo xmlns:a="http://schemas.openxmlformats.org/drawingml/2006/main" xmlns:r="http://schemas.openxmlformats.org/officeDocument/2006/relationships" xmlns:ac="http://schemas.microsoft.com/office/drawing/2013/main/command" xmlns:pc="http://schemas.microsoft.com/office/powerpoint/2013/main/command">
+  <pc:docChgLst>
+    <pc:chgData name="Derek Arnold" userId="b89dbe84592f91e4" providerId="LiveId" clId="{A80D913F-1571-4FBC-B7B4-BBEFFC85C035}"/>
+    <pc:docChg chg="modSld">
+      <pc:chgData name="Derek Arnold" userId="b89dbe84592f91e4" providerId="LiveId" clId="{A80D913F-1571-4FBC-B7B4-BBEFFC85C035}" dt="2020-07-24T01:08:20.056" v="0"/>
+      <pc:docMkLst>
+        <pc:docMk/>
+      </pc:docMkLst>
+      <pc:sldChg chg="modSp">
+        <pc:chgData name="Derek Arnold" userId="b89dbe84592f91e4" providerId="LiveId" clId="{A80D913F-1571-4FBC-B7B4-BBEFFC85C035}" dt="2020-07-24T01:08:20.056" v="0"/>
+        <pc:sldMkLst>
+          <pc:docMk/>
+          <pc:sldMk cId="2032514672" sldId="265"/>
+        </pc:sldMkLst>
+        <pc:spChg chg="mod">
+          <ac:chgData name="Derek Arnold" userId="b89dbe84592f91e4" providerId="LiveId" clId="{A80D913F-1571-4FBC-B7B4-BBEFFC85C035}" dt="2020-07-24T01:08:20.056" v="0"/>
+          <ac:spMkLst>
+            <pc:docMk/>
+            <pc:sldMk cId="2032514672" sldId="265"/>
+            <ac:spMk id="3" creationId="{3A75BAD3-324E-4FD0-B0C4-AF6CCBF55813}"/>
+          </ac:spMkLst>
+        </pc:spChg>
+      </pc:sldChg>
+      <pc:sldChg chg="modSp">
+        <pc:chgData name="Derek Arnold" userId="b89dbe84592f91e4" providerId="LiveId" clId="{A80D913F-1571-4FBC-B7B4-BBEFFC85C035}" dt="2020-07-24T01:08:20.056" v="0"/>
+        <pc:sldMkLst>
+          <pc:docMk/>
+          <pc:sldMk cId="970945138" sldId="266"/>
+        </pc:sldMkLst>
+        <pc:spChg chg="mod">
+          <ac:chgData name="Derek Arnold" userId="b89dbe84592f91e4" providerId="LiveId" clId="{A80D913F-1571-4FBC-B7B4-BBEFFC85C035}" dt="2020-07-24T01:08:20.056" v="0"/>
+          <ac:spMkLst>
+            <pc:docMk/>
+            <pc:sldMk cId="970945138" sldId="266"/>
+            <ac:spMk id="3" creationId="{3A75BAD3-324E-4FD0-B0C4-AF6CCBF55813}"/>
+          </ac:spMkLst>
+        </pc:spChg>
+      </pc:sldChg>
+      <pc:sldChg chg="modSp">
+        <pc:chgData name="Derek Arnold" userId="b89dbe84592f91e4" providerId="LiveId" clId="{A80D913F-1571-4FBC-B7B4-BBEFFC85C035}" dt="2020-07-24T01:08:20.056" v="0"/>
+        <pc:sldMkLst>
+          <pc:docMk/>
+          <pc:sldMk cId="404330507" sldId="267"/>
+        </pc:sldMkLst>
+        <pc:spChg chg="mod">
+          <ac:chgData name="Derek Arnold" userId="b89dbe84592f91e4" providerId="LiveId" clId="{A80D913F-1571-4FBC-B7B4-BBEFFC85C035}" dt="2020-07-24T01:08:20.056" v="0"/>
+          <ac:spMkLst>
+            <pc:docMk/>
+            <pc:sldMk cId="404330507" sldId="267"/>
+            <ac:spMk id="3" creationId="{3A75BAD3-324E-4FD0-B0C4-AF6CCBF55813}"/>
+          </ac:spMkLst>
+        </pc:spChg>
+      </pc:sldChg>
+      <pc:sldChg chg="modSp">
+        <pc:chgData name="Derek Arnold" userId="b89dbe84592f91e4" providerId="LiveId" clId="{A80D913F-1571-4FBC-B7B4-BBEFFC85C035}" dt="2020-07-24T01:08:20.056" v="0"/>
+        <pc:sldMkLst>
+          <pc:docMk/>
+          <pc:sldMk cId="1110970221" sldId="268"/>
+        </pc:sldMkLst>
+        <pc:spChg chg="mod">
+          <ac:chgData name="Derek Arnold" userId="b89dbe84592f91e4" providerId="LiveId" clId="{A80D913F-1571-4FBC-B7B4-BBEFFC85C035}" dt="2020-07-24T01:08:20.056" v="0"/>
+          <ac:spMkLst>
+            <pc:docMk/>
+            <pc:sldMk cId="1110970221" sldId="268"/>
+            <ac:spMk id="3" creationId="{3A75BAD3-324E-4FD0-B0C4-AF6CCBF55813}"/>
+          </ac:spMkLst>
+        </pc:spChg>
+      </pc:sldChg>
+      <pc:sldChg chg="modSp">
+        <pc:chgData name="Derek Arnold" userId="b89dbe84592f91e4" providerId="LiveId" clId="{A80D913F-1571-4FBC-B7B4-BBEFFC85C035}" dt="2020-07-24T01:08:20.056" v="0"/>
+        <pc:sldMkLst>
+          <pc:docMk/>
+          <pc:sldMk cId="1093519565" sldId="269"/>
+        </pc:sldMkLst>
+        <pc:spChg chg="mod">
+          <ac:chgData name="Derek Arnold" userId="b89dbe84592f91e4" providerId="LiveId" clId="{A80D913F-1571-4FBC-B7B4-BBEFFC85C035}" dt="2020-07-24T01:08:20.056" v="0"/>
+          <ac:spMkLst>
+            <pc:docMk/>
+            <pc:sldMk cId="1093519565" sldId="269"/>
+            <ac:spMk id="3" creationId="{3A75BAD3-324E-4FD0-B0C4-AF6CCBF55813}"/>
+          </ac:spMkLst>
+        </pc:spChg>
+      </pc:sldChg>
+      <pc:sldChg chg="modSp">
+        <pc:chgData name="Derek Arnold" userId="b89dbe84592f91e4" providerId="LiveId" clId="{A80D913F-1571-4FBC-B7B4-BBEFFC85C035}" dt="2020-07-24T01:08:20.056" v="0"/>
+        <pc:sldMkLst>
+          <pc:docMk/>
+          <pc:sldMk cId="995551551" sldId="270"/>
+        </pc:sldMkLst>
+        <pc:spChg chg="mod">
+          <ac:chgData name="Derek Arnold" userId="b89dbe84592f91e4" providerId="LiveId" clId="{A80D913F-1571-4FBC-B7B4-BBEFFC85C035}" dt="2020-07-24T01:08:20.056" v="0"/>
+          <ac:spMkLst>
+            <pc:docMk/>
+            <pc:sldMk cId="995551551" sldId="270"/>
+            <ac:spMk id="3" creationId="{3A75BAD3-324E-4FD0-B0C4-AF6CCBF55813}"/>
+          </ac:spMkLst>
+        </pc:spChg>
+      </pc:sldChg>
+      <pc:sldChg chg="modSp">
+        <pc:chgData name="Derek Arnold" userId="b89dbe84592f91e4" providerId="LiveId" clId="{A80D913F-1571-4FBC-B7B4-BBEFFC85C035}" dt="2020-07-24T01:08:20.056" v="0"/>
+        <pc:sldMkLst>
+          <pc:docMk/>
+          <pc:sldMk cId="870852464" sldId="271"/>
+        </pc:sldMkLst>
+        <pc:spChg chg="mod">
+          <ac:chgData name="Derek Arnold" userId="b89dbe84592f91e4" providerId="LiveId" clId="{A80D913F-1571-4FBC-B7B4-BBEFFC85C035}" dt="2020-07-24T01:08:20.056" v="0"/>
+          <ac:spMkLst>
+            <pc:docMk/>
+            <pc:sldMk cId="870852464" sldId="271"/>
+            <ac:spMk id="3" creationId="{3A75BAD3-324E-4FD0-B0C4-AF6CCBF55813}"/>
+          </ac:spMkLst>
+        </pc:spChg>
+      </pc:sldChg>
+      <pc:sldChg chg="modSp">
+        <pc:chgData name="Derek Arnold" userId="b89dbe84592f91e4" providerId="LiveId" clId="{A80D913F-1571-4FBC-B7B4-BBEFFC85C035}" dt="2020-07-24T01:08:20.056" v="0"/>
+        <pc:sldMkLst>
+          <pc:docMk/>
+          <pc:sldMk cId="103141744" sldId="272"/>
+        </pc:sldMkLst>
+        <pc:spChg chg="mod">
+          <ac:chgData name="Derek Arnold" userId="b89dbe84592f91e4" providerId="LiveId" clId="{A80D913F-1571-4FBC-B7B4-BBEFFC85C035}" dt="2020-07-24T01:08:20.056" v="0"/>
+          <ac:spMkLst>
+            <pc:docMk/>
+            <pc:sldMk cId="103141744" sldId="272"/>
+            <ac:spMk id="3" creationId="{3A75BAD3-324E-4FD0-B0C4-AF6CCBF55813}"/>
+          </ac:spMkLst>
+        </pc:spChg>
+      </pc:sldChg>
+      <pc:sldChg chg="modSp">
+        <pc:chgData name="Derek Arnold" userId="b89dbe84592f91e4" providerId="LiveId" clId="{A80D913F-1571-4FBC-B7B4-BBEFFC85C035}" dt="2020-07-24T01:08:20.056" v="0"/>
+        <pc:sldMkLst>
+          <pc:docMk/>
+          <pc:sldMk cId="2242738234" sldId="273"/>
+        </pc:sldMkLst>
+        <pc:spChg chg="mod">
+          <ac:chgData name="Derek Arnold" userId="b89dbe84592f91e4" providerId="LiveId" clId="{A80D913F-1571-4FBC-B7B4-BBEFFC85C035}" dt="2020-07-24T01:08:20.056" v="0"/>
+          <ac:spMkLst>
+            <pc:docMk/>
+            <pc:sldMk cId="2242738234" sldId="273"/>
+            <ac:spMk id="3" creationId="{3A75BAD3-324E-4FD0-B0C4-AF6CCBF55813}"/>
+          </ac:spMkLst>
+        </pc:spChg>
+      </pc:sldChg>
+      <pc:sldChg chg="modSp">
+        <pc:chgData name="Derek Arnold" userId="b89dbe84592f91e4" providerId="LiveId" clId="{A80D913F-1571-4FBC-B7B4-BBEFFC85C035}" dt="2020-07-24T01:08:20.056" v="0"/>
+        <pc:sldMkLst>
+          <pc:docMk/>
+          <pc:sldMk cId="3811629170" sldId="274"/>
+        </pc:sldMkLst>
+        <pc:spChg chg="mod">
+          <ac:chgData name="Derek Arnold" userId="b89dbe84592f91e4" providerId="LiveId" clId="{A80D913F-1571-4FBC-B7B4-BBEFFC85C035}" dt="2020-07-24T01:08:20.056" v="0"/>
+          <ac:spMkLst>
+            <pc:docMk/>
+            <pc:sldMk cId="3811629170" sldId="274"/>
+            <ac:spMk id="3" creationId="{3A75BAD3-324E-4FD0-B0C4-AF6CCBF55813}"/>
+          </ac:spMkLst>
+        </pc:spChg>
+      </pc:sldChg>
+      <pc:sldChg chg="modSp">
+        <pc:chgData name="Derek Arnold" userId="b89dbe84592f91e4" providerId="LiveId" clId="{A80D913F-1571-4FBC-B7B4-BBEFFC85C035}" dt="2020-07-24T01:08:20.056" v="0"/>
+        <pc:sldMkLst>
+          <pc:docMk/>
+          <pc:sldMk cId="990225192" sldId="275"/>
+        </pc:sldMkLst>
+        <pc:spChg chg="mod">
+          <ac:chgData name="Derek Arnold" userId="b89dbe84592f91e4" providerId="LiveId" clId="{A80D913F-1571-4FBC-B7B4-BBEFFC85C035}" dt="2020-07-24T01:08:20.056" v="0"/>
+          <ac:spMkLst>
+            <pc:docMk/>
+            <pc:sldMk cId="990225192" sldId="275"/>
+            <ac:spMk id="3" creationId="{3A75BAD3-324E-4FD0-B0C4-AF6CCBF55813}"/>
+          </ac:spMkLst>
+        </pc:spChg>
+      </pc:sldChg>
+      <pc:sldChg chg="modSp">
+        <pc:chgData name="Derek Arnold" userId="b89dbe84592f91e4" providerId="LiveId" clId="{A80D913F-1571-4FBC-B7B4-BBEFFC85C035}" dt="2020-07-24T01:08:20.056" v="0"/>
+        <pc:sldMkLst>
+          <pc:docMk/>
+          <pc:sldMk cId="3100974955" sldId="276"/>
+        </pc:sldMkLst>
+        <pc:spChg chg="mod">
+          <ac:chgData name="Derek Arnold" userId="b89dbe84592f91e4" providerId="LiveId" clId="{A80D913F-1571-4FBC-B7B4-BBEFFC85C035}" dt="2020-07-24T01:08:20.056" v="0"/>
+          <ac:spMkLst>
+            <pc:docMk/>
+            <pc:sldMk cId="3100974955" sldId="276"/>
+            <ac:spMk id="3" creationId="{3A75BAD3-324E-4FD0-B0C4-AF6CCBF55813}"/>
+          </ac:spMkLst>
+        </pc:spChg>
+      </pc:sldChg>
+    </pc:docChg>
+  </pc:docChgLst>
+</pc:chgInfo>
 </file>
 
 <file path=ppt/slideLayouts/slideLayout1.xml><?xml version="1.0" encoding="utf-8"?>
@@ -283,7 +483,7 @@
           <a:p>
             <a:fld id="{CDBADA44-4A71-4DC9-9DE7-1DA3E446B1EE}" type="datetimeFigureOut">
               <a:rPr lang="en-US" smtClean="0"/>
-              <a:t>2020-07-23</a:t>
+              <a:t>7/23/2020</a:t>
             </a:fld>
             <a:endParaRPr lang="en-US"/>
           </a:p>
@@ -481,7 +681,7 @@
           <a:p>
             <a:fld id="{CDBADA44-4A71-4DC9-9DE7-1DA3E446B1EE}" type="datetimeFigureOut">
               <a:rPr lang="en-US" smtClean="0"/>
-              <a:t>2020-07-23</a:t>
+              <a:t>7/23/2020</a:t>
             </a:fld>
             <a:endParaRPr lang="en-US"/>
           </a:p>
@@ -689,7 +889,7 @@
           <a:p>
             <a:fld id="{CDBADA44-4A71-4DC9-9DE7-1DA3E446B1EE}" type="datetimeFigureOut">
               <a:rPr lang="en-US" smtClean="0"/>
-              <a:t>2020-07-23</a:t>
+              <a:t>7/23/2020</a:t>
             </a:fld>
             <a:endParaRPr lang="en-US"/>
           </a:p>
@@ -887,7 +1087,7 @@
           <a:p>
             <a:fld id="{CDBADA44-4A71-4DC9-9DE7-1DA3E446B1EE}" type="datetimeFigureOut">
               <a:rPr lang="en-US" smtClean="0"/>
-              <a:t>2020-07-23</a:t>
+              <a:t>7/23/2020</a:t>
             </a:fld>
             <a:endParaRPr lang="en-US"/>
           </a:p>
@@ -1162,7 +1362,7 @@
           <a:p>
             <a:fld id="{CDBADA44-4A71-4DC9-9DE7-1DA3E446B1EE}" type="datetimeFigureOut">
               <a:rPr lang="en-US" smtClean="0"/>
-              <a:t>2020-07-23</a:t>
+              <a:t>7/23/2020</a:t>
             </a:fld>
             <a:endParaRPr lang="en-US"/>
           </a:p>
@@ -1427,7 +1627,7 @@
           <a:p>
             <a:fld id="{CDBADA44-4A71-4DC9-9DE7-1DA3E446B1EE}" type="datetimeFigureOut">
               <a:rPr lang="en-US" smtClean="0"/>
-              <a:t>2020-07-23</a:t>
+              <a:t>7/23/2020</a:t>
             </a:fld>
             <a:endParaRPr lang="en-US"/>
           </a:p>
@@ -1839,7 +2039,7 @@
           <a:p>
             <a:fld id="{CDBADA44-4A71-4DC9-9DE7-1DA3E446B1EE}" type="datetimeFigureOut">
               <a:rPr lang="en-US" smtClean="0"/>
-              <a:t>2020-07-23</a:t>
+              <a:t>7/23/2020</a:t>
             </a:fld>
             <a:endParaRPr lang="en-US"/>
           </a:p>
@@ -1980,7 +2180,7 @@
           <a:p>
             <a:fld id="{CDBADA44-4A71-4DC9-9DE7-1DA3E446B1EE}" type="datetimeFigureOut">
               <a:rPr lang="en-US" smtClean="0"/>
-              <a:t>2020-07-23</a:t>
+              <a:t>7/23/2020</a:t>
             </a:fld>
             <a:endParaRPr lang="en-US"/>
           </a:p>
@@ -2093,7 +2293,7 @@
           <a:p>
             <a:fld id="{CDBADA44-4A71-4DC9-9DE7-1DA3E446B1EE}" type="datetimeFigureOut">
               <a:rPr lang="en-US" smtClean="0"/>
-              <a:t>2020-07-23</a:t>
+              <a:t>7/23/2020</a:t>
             </a:fld>
             <a:endParaRPr lang="en-US"/>
           </a:p>
@@ -2404,7 +2604,7 @@
           <a:p>
             <a:fld id="{CDBADA44-4A71-4DC9-9DE7-1DA3E446B1EE}" type="datetimeFigureOut">
               <a:rPr lang="en-US" smtClean="0"/>
-              <a:t>2020-07-23</a:t>
+              <a:t>7/23/2020</a:t>
             </a:fld>
             <a:endParaRPr lang="en-US"/>
           </a:p>
@@ -2692,7 +2892,7 @@
           <a:p>
             <a:fld id="{CDBADA44-4A71-4DC9-9DE7-1DA3E446B1EE}" type="datetimeFigureOut">
               <a:rPr lang="en-US" smtClean="0"/>
-              <a:t>2020-07-23</a:t>
+              <a:t>7/23/2020</a:t>
             </a:fld>
             <a:endParaRPr lang="en-US"/>
           </a:p>
@@ -2933,7 +3133,7 @@
           <a:p>
             <a:fld id="{CDBADA44-4A71-4DC9-9DE7-1DA3E446B1EE}" type="datetimeFigureOut">
               <a:rPr lang="en-US" smtClean="0"/>
-              <a:t>2020-07-23</a:t>
+              <a:t>7/23/2020</a:t>
             </a:fld>
             <a:endParaRPr lang="en-US"/>
           </a:p>
@@ -3730,7 +3930,7 @@
                   <a:srgbClr val="000000"/>
                 </a:solidFill>
               </a:rPr>
-              <a:t>SSH Into Windows Boxes without third-party software</a:t>
+              <a:t>SSH Into Linux Boxes without third-party software</a:t>
             </a:r>
           </a:p>
           <a:p>
@@ -4126,7 +4326,7 @@
                   <a:srgbClr val="000000"/>
                 </a:solidFill>
               </a:rPr>
-              <a:t>SSH Into Windows Boxes without third-party software</a:t>
+              <a:t>SSH Into Linux Boxes without third-party software</a:t>
             </a:r>
           </a:p>
           <a:p>
@@ -4542,7 +4742,7 @@
                   </a:schemeClr>
                 </a:solidFill>
               </a:rPr>
-              <a:t>SSH Into Windows Boxes without third-party software</a:t>
+              <a:t>SSH Into Linux Boxes without third-party software</a:t>
             </a:r>
           </a:p>
           <a:p>
@@ -4956,7 +5156,7 @@
                   </a:schemeClr>
                 </a:solidFill>
               </a:rPr>
-              <a:t>SSH Into Windows Boxes without third-party software</a:t>
+              <a:t>SSH Into Linux Boxes without third-party software</a:t>
             </a:r>
           </a:p>
           <a:p>
@@ -5370,7 +5570,7 @@
                   </a:schemeClr>
                 </a:solidFill>
               </a:rPr>
-              <a:t>SSH Into Windows Boxes without third-party software</a:t>
+              <a:t>SSH Into Linux Boxes without third-party software</a:t>
             </a:r>
           </a:p>
           <a:p>
@@ -5784,7 +5984,7 @@
                   </a:schemeClr>
                 </a:solidFill>
               </a:rPr>
-              <a:t>SSH Into Windows Boxes without third-party software</a:t>
+              <a:t>SSH Into Linux Boxes without third-party software</a:t>
             </a:r>
           </a:p>
           <a:p>
@@ -6198,7 +6398,7 @@
                   </a:schemeClr>
                 </a:solidFill>
               </a:rPr>
-              <a:t>SSH Into Windows Boxes without third-party software</a:t>
+              <a:t>SSH Into Linux Boxes without third-party software</a:t>
             </a:r>
           </a:p>
           <a:p>
@@ -6612,7 +6812,7 @@
                   </a:schemeClr>
                 </a:solidFill>
               </a:rPr>
-              <a:t>SSH Into Windows Boxes without third-party software</a:t>
+              <a:t>SSH Into Linux Boxes without third-party software</a:t>
             </a:r>
           </a:p>
           <a:p>
@@ -7026,7 +7226,7 @@
                   </a:schemeClr>
                 </a:solidFill>
               </a:rPr>
-              <a:t>SSH Into Windows Boxes without third-party software</a:t>
+              <a:t>SSH Into Linux Boxes without third-party software</a:t>
             </a:r>
           </a:p>
           <a:p>
@@ -7440,7 +7640,7 @@
                   </a:schemeClr>
                 </a:solidFill>
               </a:rPr>
-              <a:t>SSH Into Windows Boxes without third-party software</a:t>
+              <a:t>SSH Into Linux Boxes without third-party software</a:t>
             </a:r>
           </a:p>
           <a:p>
@@ -8292,7 +8492,7 @@
                   </a:schemeClr>
                 </a:solidFill>
               </a:rPr>
-              <a:t>SSH Into Windows Boxes without third-party software</a:t>
+              <a:t>SSH Into Linux Boxes without third-party software</a:t>
             </a:r>
           </a:p>
           <a:p>
@@ -8704,7 +8904,7 @@
                   <a:srgbClr val="000000"/>
                 </a:solidFill>
               </a:rPr>
-              <a:t>SSH Into Windows Boxes without third-party software</a:t>
+              <a:t>SSH Into Linux Boxes without third-party software</a:t>
             </a:r>
           </a:p>
           <a:p>
